--- a/Caterpillars-Count.pptx
+++ b/Caterpillars-Count.pptx
@@ -17,7 +17,10 @@
     <p:sldId id="263" r:id="rId11"/>
     <p:sldId id="265" r:id="rId12"/>
     <p:sldId id="264" r:id="rId13"/>
-    <p:sldId id="270" r:id="rId14"/>
+    <p:sldId id="273" r:id="rId14"/>
+    <p:sldId id="274" r:id="rId15"/>
+    <p:sldId id="275" r:id="rId16"/>
+    <p:sldId id="270" r:id="rId17"/>
   </p:sldIdLst>
   <p:sldSz cx="12192000" cy="6858000"/>
   <p:notesSz cx="6858000" cy="9144000"/>
@@ -320,7 +323,7 @@
           <a:p>
             <a:fld id="{24112755-B427-4CCA-9269-6E936E514B06}" type="datetimeFigureOut">
               <a:rPr lang="en-US" smtClean="0"/>
-              <a:t>1/28/2016</a:t>
+              <a:t>2/10/2016</a:t>
             </a:fld>
             <a:endParaRPr lang="en-US"/>
           </a:p>
@@ -541,7 +544,7 @@
           <a:p>
             <a:fld id="{24112755-B427-4CCA-9269-6E936E514B06}" type="datetimeFigureOut">
               <a:rPr lang="en-US" smtClean="0"/>
-              <a:t>1/28/2016</a:t>
+              <a:t>2/10/2016</a:t>
             </a:fld>
             <a:endParaRPr lang="en-US"/>
           </a:p>
@@ -721,7 +724,7 @@
           <a:p>
             <a:fld id="{24112755-B427-4CCA-9269-6E936E514B06}" type="datetimeFigureOut">
               <a:rPr lang="en-US" smtClean="0"/>
-              <a:t>1/28/2016</a:t>
+              <a:t>2/10/2016</a:t>
             </a:fld>
             <a:endParaRPr lang="en-US"/>
           </a:p>
@@ -891,7 +894,7 @@
           <a:p>
             <a:fld id="{24112755-B427-4CCA-9269-6E936E514B06}" type="datetimeFigureOut">
               <a:rPr lang="en-US" smtClean="0"/>
-              <a:t>1/28/2016</a:t>
+              <a:t>2/10/2016</a:t>
             </a:fld>
             <a:endParaRPr lang="en-US"/>
           </a:p>
@@ -1142,7 +1145,7 @@
           <a:p>
             <a:fld id="{24112755-B427-4CCA-9269-6E936E514B06}" type="datetimeFigureOut">
               <a:rPr lang="en-US" smtClean="0"/>
-              <a:t>1/28/2016</a:t>
+              <a:t>2/10/2016</a:t>
             </a:fld>
             <a:endParaRPr lang="en-US"/>
           </a:p>
@@ -1465,7 +1468,7 @@
           <a:p>
             <a:fld id="{24112755-B427-4CCA-9269-6E936E514B06}" type="datetimeFigureOut">
               <a:rPr lang="en-US" smtClean="0"/>
-              <a:t>1/28/2016</a:t>
+              <a:t>2/10/2016</a:t>
             </a:fld>
             <a:endParaRPr lang="en-US"/>
           </a:p>
@@ -1889,7 +1892,7 @@
           <a:p>
             <a:fld id="{24112755-B427-4CCA-9269-6E936E514B06}" type="datetimeFigureOut">
               <a:rPr lang="en-US" smtClean="0"/>
-              <a:t>1/28/2016</a:t>
+              <a:t>2/10/2016</a:t>
             </a:fld>
             <a:endParaRPr lang="en-US"/>
           </a:p>
@@ -2007,7 +2010,7 @@
           <a:p>
             <a:fld id="{24112755-B427-4CCA-9269-6E936E514B06}" type="datetimeFigureOut">
               <a:rPr lang="en-US" smtClean="0"/>
-              <a:t>1/28/2016</a:t>
+              <a:t>2/10/2016</a:t>
             </a:fld>
             <a:endParaRPr lang="en-US"/>
           </a:p>
@@ -2102,7 +2105,7 @@
           <a:p>
             <a:fld id="{24112755-B427-4CCA-9269-6E936E514B06}" type="datetimeFigureOut">
               <a:rPr lang="en-US" smtClean="0"/>
-              <a:t>1/28/2016</a:t>
+              <a:t>2/10/2016</a:t>
             </a:fld>
             <a:endParaRPr lang="en-US"/>
           </a:p>
@@ -2392,7 +2395,7 @@
           <a:p>
             <a:fld id="{24112755-B427-4CCA-9269-6E936E514B06}" type="datetimeFigureOut">
               <a:rPr lang="en-US" smtClean="0"/>
-              <a:t>1/28/2016</a:t>
+              <a:t>2/10/2016</a:t>
             </a:fld>
             <a:endParaRPr lang="en-US"/>
           </a:p>
@@ -2664,7 +2667,7 @@
           <a:p>
             <a:fld id="{24112755-B427-4CCA-9269-6E936E514B06}" type="datetimeFigureOut">
               <a:rPr lang="en-US" smtClean="0"/>
-              <a:t>1/28/2016</a:t>
+              <a:t>2/10/2016</a:t>
             </a:fld>
             <a:endParaRPr lang="en-US"/>
           </a:p>
@@ -2918,7 +2921,7 @@
           <a:p>
             <a:fld id="{24112755-B427-4CCA-9269-6E936E514B06}" type="datetimeFigureOut">
               <a:rPr lang="en-US" smtClean="0"/>
-              <a:t>1/28/2016</a:t>
+              <a:t>2/10/2016</a:t>
             </a:fld>
             <a:endParaRPr lang="en-US"/>
           </a:p>
@@ -3517,8 +3520,8 @@
         </p:nvSpPr>
         <p:spPr>
           <a:xfrm>
-            <a:off x="4198477" y="3558943"/>
-            <a:ext cx="3520965" cy="369332"/>
+            <a:off x="4101893" y="3571135"/>
+            <a:ext cx="3714131" cy="369332"/>
           </a:xfrm>
           <a:prstGeom prst="rect">
             <a:avLst/>
@@ -3534,7 +3537,11 @@
             <a:pPr algn="ctr"/>
             <a:r>
               <a:rPr lang="en-US" dirty="0" smtClean="0"/>
-              <a:t>Caterpillars – Mean Biomass</a:t>
+              <a:t>Caterpillars – Mean </a:t>
+            </a:r>
+            <a:r>
+              <a:rPr lang="en-US" dirty="0" smtClean="0"/>
+              <a:t>Biomass By Day</a:t>
             </a:r>
             <a:endParaRPr lang="en-US" dirty="0"/>
           </a:p>
@@ -3565,7 +3572,11 @@
             <a:pPr algn="ctr"/>
             <a:r>
               <a:rPr lang="en-US" dirty="0" smtClean="0"/>
-              <a:t>Caterpillars – Mean Density</a:t>
+              <a:t>Caterpillars – Mean </a:t>
+            </a:r>
+            <a:r>
+              <a:rPr lang="en-US" dirty="0" smtClean="0"/>
+              <a:t>Density By Day</a:t>
             </a:r>
             <a:endParaRPr lang="en-US" dirty="0"/>
           </a:p>
@@ -3593,7 +3604,7 @@
           <a:graphicData uri="http://schemas.openxmlformats.org/presentationml/2006/ole">
             <mc:AlternateContent xmlns:mc="http://schemas.openxmlformats.org/markup-compatibility/2006">
               <mc:Choice xmlns:v="urn:schemas-microsoft-com:vml" Requires="v">
-                <p:oleObj spid="_x0000_s4104" name="Worksheet" r:id="rId3" imgW="3666971" imgH="1152361" progId="Excel.Sheet.12">
+                <p:oleObj spid="_x0000_s4112" name="Worksheet" r:id="rId3" imgW="3666971" imgH="1152361" progId="Excel.Sheet.12">
                   <p:embed/>
                 </p:oleObj>
               </mc:Choice>
@@ -3650,7 +3661,7 @@
           <a:graphicData uri="http://schemas.openxmlformats.org/presentationml/2006/ole">
             <mc:AlternateContent xmlns:mc="http://schemas.openxmlformats.org/markup-compatibility/2006">
               <mc:Choice xmlns:v="urn:schemas-microsoft-com:vml" Requires="v">
-                <p:oleObj spid="_x0000_s4105" name="Worksheet" r:id="rId5" imgW="3666971" imgH="1152361" progId="Excel.Sheet.12">
+                <p:oleObj spid="_x0000_s4113" name="Worksheet" r:id="rId5" imgW="3666971" imgH="1152361" progId="Excel.Sheet.12">
                   <p:embed/>
                 </p:oleObj>
               </mc:Choice>
@@ -3737,7 +3748,7 @@
           <a:graphicData uri="http://schemas.openxmlformats.org/presentationml/2006/ole">
             <mc:AlternateContent xmlns:mc="http://schemas.openxmlformats.org/markup-compatibility/2006">
               <mc:Choice xmlns:v="urn:schemas-microsoft-com:vml" Requires="v">
-                <p:oleObj spid="_x0000_s3101" name="Worksheet" r:id="rId3" imgW="3057371" imgH="962189" progId="Excel.Sheet.12">
+                <p:oleObj spid="_x0000_s3109" name="Worksheet" r:id="rId3" imgW="3057371" imgH="962189" progId="Excel.Sheet.12">
                   <p:embed/>
                 </p:oleObj>
               </mc:Choice>
@@ -3856,7 +3867,7 @@
           <a:graphicData uri="http://schemas.openxmlformats.org/presentationml/2006/ole">
             <mc:AlternateContent xmlns:mc="http://schemas.openxmlformats.org/markup-compatibility/2006">
               <mc:Choice xmlns:v="urn:schemas-microsoft-com:vml" Requires="v">
-                <p:oleObj spid="_x0000_s3102" name="Worksheet" r:id="rId5" imgW="3057371" imgH="962189" progId="Excel.Sheet.12">
+                <p:oleObj spid="_x0000_s3110" name="Worksheet" r:id="rId5" imgW="3057371" imgH="962189" progId="Excel.Sheet.12">
                   <p:embed/>
                 </p:oleObj>
               </mc:Choice>
@@ -3921,6 +3932,255 @@
           <a:chExt cx="0" cy="0"/>
         </a:xfrm>
       </p:grpSpPr>
+      <p:sp>
+        <p:nvSpPr>
+          <p:cNvPr id="4" name="TextBox 3"/>
+          <p:cNvSpPr txBox="1"/>
+          <p:nvPr/>
+        </p:nvSpPr>
+        <p:spPr>
+          <a:xfrm>
+            <a:off x="4433489" y="3685767"/>
+            <a:ext cx="3520965" cy="369332"/>
+          </a:xfrm>
+          <a:prstGeom prst="rect">
+            <a:avLst/>
+          </a:prstGeom>
+          <a:noFill/>
+        </p:spPr>
+        <p:txBody>
+          <a:bodyPr wrap="square" rtlCol="0">
+            <a:spAutoFit/>
+          </a:bodyPr>
+          <a:lstStyle/>
+          <a:p>
+            <a:pPr algn="ctr"/>
+            <a:r>
+              <a:rPr lang="en-US" dirty="0" smtClean="0"/>
+              <a:t>All Orders – Mean </a:t>
+            </a:r>
+            <a:r>
+              <a:rPr lang="en-US" dirty="0" smtClean="0"/>
+              <a:t>Density By Week</a:t>
+            </a:r>
+            <a:endParaRPr lang="en-US" dirty="0"/>
+          </a:p>
+        </p:txBody>
+      </p:sp>
+      <p:sp>
+        <p:nvSpPr>
+          <p:cNvPr id="5" name="TextBox 4"/>
+          <p:cNvSpPr txBox="1"/>
+          <p:nvPr/>
+        </p:nvSpPr>
+        <p:spPr>
+          <a:xfrm>
+            <a:off x="4028025" y="881607"/>
+            <a:ext cx="4321238" cy="369332"/>
+          </a:xfrm>
+          <a:prstGeom prst="rect">
+            <a:avLst/>
+          </a:prstGeom>
+          <a:noFill/>
+        </p:spPr>
+        <p:txBody>
+          <a:bodyPr wrap="square" rtlCol="0">
+            <a:spAutoFit/>
+          </a:bodyPr>
+          <a:lstStyle/>
+          <a:p>
+            <a:pPr algn="ctr"/>
+            <a:r>
+              <a:rPr lang="en-US" dirty="0" smtClean="0"/>
+              <a:t>Caterpillars – </a:t>
+            </a:r>
+            <a:r>
+              <a:rPr lang="en-US" dirty="0" smtClean="0"/>
+              <a:t>Mean </a:t>
+            </a:r>
+            <a:r>
+              <a:rPr lang="en-US" dirty="0" smtClean="0"/>
+              <a:t>Density By Week</a:t>
+            </a:r>
+            <a:endParaRPr lang="en-US" dirty="0"/>
+          </a:p>
+        </p:txBody>
+      </p:sp>
+      <p:graphicFrame>
+        <p:nvGraphicFramePr>
+          <p:cNvPr id="7" name="Object 6"/>
+          <p:cNvGraphicFramePr>
+            <a:graphicFrameLocks noChangeAspect="1"/>
+          </p:cNvGraphicFramePr>
+          <p:nvPr>
+            <p:extLst>
+              <p:ext uri="{D42A27DB-BD31-4B8C-83A1-F6EECF244321}">
+                <p14:modId xmlns:p14="http://schemas.microsoft.com/office/powerpoint/2010/main" val="720139750"/>
+              </p:ext>
+            </p:extLst>
+          </p:nvPr>
+        </p:nvGraphicFramePr>
+        <p:xfrm>
+          <a:off x="3823526" y="4207520"/>
+          <a:ext cx="4723066" cy="1486074"/>
+        </p:xfrm>
+        <a:graphic>
+          <a:graphicData uri="http://schemas.openxmlformats.org/presentationml/2006/ole">
+            <mc:AlternateContent xmlns:mc="http://schemas.openxmlformats.org/markup-compatibility/2006">
+              <mc:Choice xmlns:v="urn:schemas-microsoft-com:vml" Requires="v">
+                <p:oleObj spid="_x0000_s5132" name="Worksheet" r:id="rId3" imgW="3057371" imgH="962189" progId="Excel.Sheet.12">
+                  <p:embed/>
+                </p:oleObj>
+              </mc:Choice>
+              <mc:Fallback>
+                <p:oleObj name="Worksheet" r:id="rId3" imgW="3057371" imgH="962189" progId="Excel.Sheet.12">
+                  <p:embed/>
+                  <p:pic>
+                    <p:nvPicPr>
+                      <p:cNvPr id="0" name=""/>
+                      <p:cNvPicPr/>
+                      <p:nvPr/>
+                    </p:nvPicPr>
+                    <p:blipFill>
+                      <a:blip r:embed="rId4"/>
+                      <a:stretch>
+                        <a:fillRect/>
+                      </a:stretch>
+                    </p:blipFill>
+                    <p:spPr>
+                      <a:xfrm>
+                        <a:off x="3823526" y="4207520"/>
+                        <a:ext cx="4723066" cy="1486074"/>
+                      </a:xfrm>
+                      <a:prstGeom prst="rect">
+                        <a:avLst/>
+                      </a:prstGeom>
+                    </p:spPr>
+                  </p:pic>
+                </p:oleObj>
+              </mc:Fallback>
+            </mc:AlternateContent>
+          </a:graphicData>
+        </a:graphic>
+      </p:graphicFrame>
+      <p:graphicFrame>
+        <p:nvGraphicFramePr>
+          <p:cNvPr id="8" name="Object 7"/>
+          <p:cNvGraphicFramePr>
+            <a:graphicFrameLocks noChangeAspect="1"/>
+          </p:cNvGraphicFramePr>
+          <p:nvPr>
+            <p:extLst>
+              <p:ext uri="{D42A27DB-BD31-4B8C-83A1-F6EECF244321}">
+                <p14:modId xmlns:p14="http://schemas.microsoft.com/office/powerpoint/2010/main" val="3036506862"/>
+              </p:ext>
+            </p:extLst>
+          </p:nvPr>
+        </p:nvGraphicFramePr>
+        <p:xfrm>
+          <a:off x="3364932" y="1318350"/>
+          <a:ext cx="5658078" cy="1778253"/>
+        </p:xfrm>
+        <a:graphic>
+          <a:graphicData uri="http://schemas.openxmlformats.org/presentationml/2006/ole">
+            <mc:AlternateContent xmlns:mc="http://schemas.openxmlformats.org/markup-compatibility/2006">
+              <mc:Choice xmlns:v="urn:schemas-microsoft-com:vml" Requires="v">
+                <p:oleObj spid="_x0000_s5133" name="Worksheet" r:id="rId5" imgW="3666971" imgH="1152361" progId="Excel.Sheet.12">
+                  <p:embed/>
+                </p:oleObj>
+              </mc:Choice>
+              <mc:Fallback>
+                <p:oleObj name="Worksheet" r:id="rId5" imgW="3666971" imgH="1152361" progId="Excel.Sheet.12">
+                  <p:embed/>
+                  <p:pic>
+                    <p:nvPicPr>
+                      <p:cNvPr id="0" name=""/>
+                      <p:cNvPicPr/>
+                      <p:nvPr/>
+                    </p:nvPicPr>
+                    <p:blipFill>
+                      <a:blip r:embed="rId6"/>
+                      <a:stretch>
+                        <a:fillRect/>
+                      </a:stretch>
+                    </p:blipFill>
+                    <p:spPr>
+                      <a:xfrm>
+                        <a:off x="3364932" y="1318350"/>
+                        <a:ext cx="5658078" cy="1778253"/>
+                      </a:xfrm>
+                      <a:prstGeom prst="rect">
+                        <a:avLst/>
+                      </a:prstGeom>
+                    </p:spPr>
+                  </p:pic>
+                </p:oleObj>
+              </mc:Fallback>
+            </mc:AlternateContent>
+          </a:graphicData>
+        </a:graphic>
+      </p:graphicFrame>
+    </p:spTree>
+    <p:extLst>
+      <p:ext uri="{BB962C8B-B14F-4D97-AF65-F5344CB8AC3E}">
+        <p14:creationId xmlns:p14="http://schemas.microsoft.com/office/powerpoint/2010/main" val="2355692016"/>
+      </p:ext>
+    </p:extLst>
+  </p:cSld>
+  <p:clrMapOvr>
+    <a:masterClrMapping/>
+  </p:clrMapOvr>
+</p:sld>
+</file>
+
+<file path=ppt/slides/slide14.xml><?xml version="1.0" encoding="utf-8"?>
+<p:sld xmlns:a="http://schemas.openxmlformats.org/drawingml/2006/main" xmlns:r="http://schemas.openxmlformats.org/officeDocument/2006/relationships" xmlns:p="http://schemas.openxmlformats.org/presentationml/2006/main">
+  <p:cSld>
+    <p:spTree>
+      <p:nvGrpSpPr>
+        <p:cNvPr id="1" name=""/>
+        <p:cNvGrpSpPr/>
+        <p:nvPr/>
+      </p:nvGrpSpPr>
+      <p:grpSpPr>
+        <a:xfrm>
+          <a:off x="0" y="0"/>
+          <a:ext cx="0" cy="0"/>
+          <a:chOff x="0" y="0"/>
+          <a:chExt cx="0" cy="0"/>
+        </a:xfrm>
+      </p:grpSpPr>
+      <p:sp>
+        <p:nvSpPr>
+          <p:cNvPr id="2" name="TextBox 1"/>
+          <p:cNvSpPr txBox="1"/>
+          <p:nvPr/>
+        </p:nvSpPr>
+        <p:spPr>
+          <a:xfrm>
+            <a:off x="2171076" y="679495"/>
+            <a:ext cx="4321238" cy="369332"/>
+          </a:xfrm>
+          <a:prstGeom prst="rect">
+            <a:avLst/>
+          </a:prstGeom>
+          <a:noFill/>
+        </p:spPr>
+        <p:txBody>
+          <a:bodyPr wrap="square" rtlCol="0">
+            <a:spAutoFit/>
+          </a:bodyPr>
+          <a:lstStyle/>
+          <a:p>
+            <a:pPr algn="ctr"/>
+            <a:r>
+              <a:rPr lang="en-US" dirty="0" smtClean="0"/>
+              <a:t>By Day Mean Density Correlation Plot</a:t>
+            </a:r>
+            <a:endParaRPr lang="en-US" dirty="0"/>
+          </a:p>
+        </p:txBody>
+      </p:sp>
       <p:pic>
         <p:nvPicPr>
           <p:cNvPr id="4" name="Picture 3"/>
@@ -3931,19 +4191,187 @@
         </p:nvPicPr>
         <p:blipFill rotWithShape="1">
           <a:blip r:embed="rId2"/>
-          <a:srcRect l="16255" r="13981"/>
+          <a:srcRect r="15625" b="10803"/>
           <a:stretch/>
         </p:blipFill>
         <p:spPr>
           <a:xfrm>
-            <a:off x="1341119" y="418289"/>
-            <a:ext cx="5900929" cy="5989644"/>
+            <a:off x="679392" y="1048827"/>
+            <a:ext cx="6074976" cy="4876078"/>
           </a:xfrm>
           <a:prstGeom prst="rect">
             <a:avLst/>
           </a:prstGeom>
         </p:spPr>
       </p:pic>
+    </p:spTree>
+    <p:extLst>
+      <p:ext uri="{BB962C8B-B14F-4D97-AF65-F5344CB8AC3E}">
+        <p14:creationId xmlns:p14="http://schemas.microsoft.com/office/powerpoint/2010/main" val="3304091265"/>
+      </p:ext>
+    </p:extLst>
+  </p:cSld>
+  <p:clrMapOvr>
+    <a:masterClrMapping/>
+  </p:clrMapOvr>
+</p:sld>
+</file>
+
+<file path=ppt/slides/slide15.xml><?xml version="1.0" encoding="utf-8"?>
+<p:sld xmlns:a="http://schemas.openxmlformats.org/drawingml/2006/main" xmlns:r="http://schemas.openxmlformats.org/officeDocument/2006/relationships" xmlns:p="http://schemas.openxmlformats.org/presentationml/2006/main">
+  <p:cSld>
+    <p:spTree>
+      <p:nvGrpSpPr>
+        <p:cNvPr id="1" name=""/>
+        <p:cNvGrpSpPr/>
+        <p:nvPr/>
+      </p:nvGrpSpPr>
+      <p:grpSpPr>
+        <a:xfrm>
+          <a:off x="0" y="0"/>
+          <a:ext cx="0" cy="0"/>
+          <a:chOff x="0" y="0"/>
+          <a:chExt cx="0" cy="0"/>
+        </a:xfrm>
+      </p:grpSpPr>
+      <p:sp>
+        <p:nvSpPr>
+          <p:cNvPr id="2" name="TextBox 1"/>
+          <p:cNvSpPr txBox="1"/>
+          <p:nvPr/>
+        </p:nvSpPr>
+        <p:spPr>
+          <a:xfrm>
+            <a:off x="2171076" y="679495"/>
+            <a:ext cx="4321238" cy="369332"/>
+          </a:xfrm>
+          <a:prstGeom prst="rect">
+            <a:avLst/>
+          </a:prstGeom>
+          <a:noFill/>
+        </p:spPr>
+        <p:txBody>
+          <a:bodyPr wrap="square" rtlCol="0">
+            <a:spAutoFit/>
+          </a:bodyPr>
+          <a:lstStyle/>
+          <a:p>
+            <a:pPr algn="ctr"/>
+            <a:r>
+              <a:rPr lang="en-US" dirty="0" smtClean="0"/>
+              <a:t>By Day Mean Biomass Correlation Plot</a:t>
+            </a:r>
+            <a:endParaRPr lang="en-US" dirty="0"/>
+          </a:p>
+        </p:txBody>
+      </p:sp>
+      <p:pic>
+        <p:nvPicPr>
+          <p:cNvPr id="4" name="Picture 3"/>
+          <p:cNvPicPr>
+            <a:picLocks noChangeAspect="1"/>
+          </p:cNvPicPr>
+          <p:nvPr/>
+        </p:nvPicPr>
+        <p:blipFill rotWithShape="1">
+          <a:blip r:embed="rId2"/>
+          <a:srcRect r="15287" b="10580"/>
+          <a:stretch/>
+        </p:blipFill>
+        <p:spPr>
+          <a:xfrm>
+            <a:off x="594048" y="1146771"/>
+            <a:ext cx="6099360" cy="4888270"/>
+          </a:xfrm>
+          <a:prstGeom prst="rect">
+            <a:avLst/>
+          </a:prstGeom>
+        </p:spPr>
+      </p:pic>
+    </p:spTree>
+    <p:extLst>
+      <p:ext uri="{BB962C8B-B14F-4D97-AF65-F5344CB8AC3E}">
+        <p14:creationId xmlns:p14="http://schemas.microsoft.com/office/powerpoint/2010/main" val="366724001"/>
+      </p:ext>
+    </p:extLst>
+  </p:cSld>
+  <p:clrMapOvr>
+    <a:masterClrMapping/>
+  </p:clrMapOvr>
+</p:sld>
+</file>
+
+<file path=ppt/slides/slide16.xml><?xml version="1.0" encoding="utf-8"?>
+<p:sld xmlns:a="http://schemas.openxmlformats.org/drawingml/2006/main" xmlns:r="http://schemas.openxmlformats.org/officeDocument/2006/relationships" xmlns:p="http://schemas.openxmlformats.org/presentationml/2006/main">
+  <p:cSld>
+    <p:spTree>
+      <p:nvGrpSpPr>
+        <p:cNvPr id="1" name=""/>
+        <p:cNvGrpSpPr/>
+        <p:nvPr/>
+      </p:nvGrpSpPr>
+      <p:grpSpPr>
+        <a:xfrm>
+          <a:off x="0" y="0"/>
+          <a:ext cx="0" cy="0"/>
+          <a:chOff x="0" y="0"/>
+          <a:chExt cx="0" cy="0"/>
+        </a:xfrm>
+      </p:grpSpPr>
+      <p:pic>
+        <p:nvPicPr>
+          <p:cNvPr id="2" name="Picture 1"/>
+          <p:cNvPicPr>
+            <a:picLocks noChangeAspect="1"/>
+          </p:cNvPicPr>
+          <p:nvPr/>
+        </p:nvPicPr>
+        <p:blipFill rotWithShape="1">
+          <a:blip r:embed="rId2"/>
+          <a:srcRect b="11745"/>
+          <a:stretch/>
+        </p:blipFill>
+        <p:spPr>
+          <a:xfrm>
+            <a:off x="567902" y="1048827"/>
+            <a:ext cx="7527586" cy="5181286"/>
+          </a:xfrm>
+          <a:prstGeom prst="rect">
+            <a:avLst/>
+          </a:prstGeom>
+        </p:spPr>
+      </p:pic>
+      <p:sp>
+        <p:nvSpPr>
+          <p:cNvPr id="5" name="TextBox 4"/>
+          <p:cNvSpPr txBox="1"/>
+          <p:nvPr/>
+        </p:nvSpPr>
+        <p:spPr>
+          <a:xfrm>
+            <a:off x="2171076" y="679495"/>
+            <a:ext cx="4321238" cy="369332"/>
+          </a:xfrm>
+          <a:prstGeom prst="rect">
+            <a:avLst/>
+          </a:prstGeom>
+          <a:noFill/>
+        </p:spPr>
+        <p:txBody>
+          <a:bodyPr wrap="square" rtlCol="0">
+            <a:spAutoFit/>
+          </a:bodyPr>
+          <a:lstStyle/>
+          <a:p>
+            <a:pPr algn="ctr"/>
+            <a:r>
+              <a:rPr lang="en-US" dirty="0" smtClean="0"/>
+              <a:t>By Week Mean Density Correlation Plot</a:t>
+            </a:r>
+            <a:endParaRPr lang="en-US" dirty="0"/>
+          </a:p>
+        </p:txBody>
+      </p:sp>
     </p:spTree>
     <p:extLst>
       <p:ext uri="{BB962C8B-B14F-4D97-AF65-F5344CB8AC3E}">
@@ -4077,8 +4505,8 @@
         </p:nvSpPr>
         <p:spPr>
           <a:xfrm>
-            <a:off x="8375680" y="4311783"/>
-            <a:ext cx="2448910" cy="1754326"/>
+            <a:off x="8375680" y="3408966"/>
+            <a:ext cx="2448910" cy="2585323"/>
           </a:xfrm>
           <a:prstGeom prst="rect">
             <a:avLst/>
@@ -4098,6 +4526,10 @@
             <a:r>
               <a:rPr lang="en-US" dirty="0" smtClean="0"/>
               <a:t>Mean density is the total number of caterpillars counted (with a minimum length of 5) divided by the number of surveys. </a:t>
+            </a:r>
+            <a:r>
+              <a:rPr lang="en-US" dirty="0" smtClean="0"/>
+              <a:t>Mean density was calculated for each survey day.</a:t>
             </a:r>
             <a:endParaRPr lang="en-US" dirty="0"/>
           </a:p>
@@ -4165,8 +4597,8 @@
         </p:nvSpPr>
         <p:spPr>
           <a:xfrm>
-            <a:off x="8375680" y="4311783"/>
-            <a:ext cx="2448910" cy="1754326"/>
+            <a:off x="8375680" y="3408966"/>
+            <a:ext cx="2448910" cy="2585323"/>
           </a:xfrm>
           <a:prstGeom prst="rect">
             <a:avLst/>
@@ -4186,6 +4618,10 @@
             <a:r>
               <a:rPr lang="en-US" dirty="0" smtClean="0"/>
               <a:t>Mean biomass is the total biomass of caterpillars counted (with a minimum length of 5) divided by the number of surveys. </a:t>
+            </a:r>
+            <a:r>
+              <a:rPr lang="en-US" dirty="0" smtClean="0"/>
+              <a:t>Mean biomass was calculated for each survey day.</a:t>
             </a:r>
             <a:endParaRPr lang="en-US" dirty="0"/>
           </a:p>
@@ -4269,6 +4705,52 @@
           </a:prstGeom>
         </p:spPr>
       </p:pic>
+      <p:sp>
+        <p:nvSpPr>
+          <p:cNvPr id="3" name="TextBox 2"/>
+          <p:cNvSpPr txBox="1"/>
+          <p:nvPr/>
+        </p:nvSpPr>
+        <p:spPr>
+          <a:xfrm>
+            <a:off x="8355824" y="3537396"/>
+            <a:ext cx="2448910" cy="2585323"/>
+          </a:xfrm>
+          <a:prstGeom prst="rect">
+            <a:avLst/>
+          </a:prstGeom>
+          <a:noFill/>
+        </p:spPr>
+        <p:txBody>
+          <a:bodyPr wrap="square" rtlCol="0">
+            <a:spAutoFit/>
+          </a:bodyPr>
+          <a:lstStyle/>
+          <a:p>
+            <a:r>
+              <a:rPr lang="en-US" b="1" dirty="0" smtClean="0"/>
+              <a:t>Figure </a:t>
+            </a:r>
+            <a:r>
+              <a:rPr lang="en-US" b="1" dirty="0"/>
+              <a:t>4</a:t>
+            </a:r>
+            <a:r>
+              <a:rPr lang="en-US" b="1" dirty="0" smtClean="0"/>
+              <a:t>. </a:t>
+            </a:r>
+            <a:r>
+              <a:rPr lang="en-US" dirty="0" smtClean="0"/>
+              <a:t>Mean density is the total number of caterpillars counted (with a minimum length of 5) divided by the number of surveys. </a:t>
+            </a:r>
+            <a:r>
+              <a:rPr lang="en-US" dirty="0" smtClean="0"/>
+              <a:t>Mean density was calculated for each survey week.</a:t>
+            </a:r>
+            <a:endParaRPr lang="en-US" dirty="0"/>
+          </a:p>
+        </p:txBody>
+      </p:sp>
     </p:spTree>
     <p:extLst>
       <p:ext uri="{BB962C8B-B14F-4D97-AF65-F5344CB8AC3E}">
@@ -4347,7 +4829,11 @@
           <a:p>
             <a:r>
               <a:rPr lang="en-US" b="1" dirty="0" smtClean="0"/>
-              <a:t>Figure 4. </a:t>
+              <a:t>Figure </a:t>
+            </a:r>
+            <a:r>
+              <a:rPr lang="en-US" b="1" dirty="0" smtClean="0"/>
+              <a:t>5. </a:t>
             </a:r>
             <a:r>
               <a:rPr lang="en-US" dirty="0" smtClean="0"/>
@@ -4419,8 +4905,8 @@
         </p:nvSpPr>
         <p:spPr>
           <a:xfrm>
-            <a:off x="8375680" y="4154128"/>
-            <a:ext cx="2975492" cy="1754326"/>
+            <a:off x="8492547" y="2605744"/>
+            <a:ext cx="2975492" cy="3416320"/>
           </a:xfrm>
           <a:prstGeom prst="rect">
             <a:avLst/>
@@ -4435,11 +4921,19 @@
           <a:p>
             <a:r>
               <a:rPr lang="en-US" b="1" dirty="0" smtClean="0"/>
-              <a:t>Figure 5. </a:t>
+              <a:t>Figure </a:t>
+            </a:r>
+            <a:r>
+              <a:rPr lang="en-US" b="1" dirty="0" smtClean="0"/>
+              <a:t>6. </a:t>
             </a:r>
             <a:r>
               <a:rPr lang="en-US" dirty="0" smtClean="0"/>
               <a:t>Mean biomass is the total biomass of selected orders with regression data (with a minimum length of 5) divided by the number of surveys. </a:t>
+            </a:r>
+            <a:r>
+              <a:rPr lang="en-US" dirty="0" smtClean="0"/>
+              <a:t>Orders included that had regression data used for calculating biomass from length: ARAN, AUCH, COLE, DIPT, LEPL, OPIL, and ORTH. (See Figure 8 for arthropod codes).</a:t>
             </a:r>
             <a:endParaRPr lang="en-US" dirty="0"/>
           </a:p>
